--- a/docs/Lecture_005.pptx
+++ b/docs/Lecture_005.pptx
@@ -211,7 +211,7 @@
           <a:p>
             <a:fld id="{FAB1BD01-992C-433A-AA19-A9E6445537E3}" type="datetimeFigureOut">
               <a:rPr lang="en-US" smtClean="0"/>
-              <a:t>10/4/2023</a:t>
+              <a:t>10/18/2023</a:t>
             </a:fld>
             <a:endParaRPr lang="en-US"/>
           </a:p>
@@ -694,7 +694,7 @@
             </a:extLst>
           </p:cNvPr>
           <p:cNvSpPr>
-            <a:spLocks noRot="1" noChangeArrowheads="1" noTextEdit="1"/>
+            <a:spLocks noGrp="1" noRot="1" noChangeAspect="1" noChangeArrowheads="1" noTextEdit="1"/>
           </p:cNvSpPr>
           <p:nvPr>
             <p:ph type="sldImg"/>
@@ -958,7 +958,7 @@
             </a:extLst>
           </p:cNvPr>
           <p:cNvSpPr>
-            <a:spLocks noRot="1" noChangeArrowheads="1" noTextEdit="1"/>
+            <a:spLocks noGrp="1" noRot="1" noChangeAspect="1" noChangeArrowheads="1" noTextEdit="1"/>
           </p:cNvSpPr>
           <p:nvPr>
             <p:ph type="sldImg"/>
@@ -1222,7 +1222,7 @@
             </a:extLst>
           </p:cNvPr>
           <p:cNvSpPr>
-            <a:spLocks noRot="1" noChangeArrowheads="1" noTextEdit="1"/>
+            <a:spLocks noGrp="1" noRot="1" noChangeAspect="1" noChangeArrowheads="1" noTextEdit="1"/>
           </p:cNvSpPr>
           <p:nvPr>
             <p:ph type="sldImg"/>
@@ -1401,7 +1401,7 @@
           <a:p>
             <a:fld id="{2C2D446A-5F06-4FB6-90AF-00741C033E90}" type="datetimeFigureOut">
               <a:rPr lang="en-US" smtClean="0"/>
-              <a:t>10/4/2023</a:t>
+              <a:t>10/18/2023</a:t>
             </a:fld>
             <a:endParaRPr lang="en-US"/>
           </a:p>
@@ -1571,7 +1571,7 @@
           <a:p>
             <a:fld id="{2C2D446A-5F06-4FB6-90AF-00741C033E90}" type="datetimeFigureOut">
               <a:rPr lang="en-US" smtClean="0"/>
-              <a:t>10/4/2023</a:t>
+              <a:t>10/18/2023</a:t>
             </a:fld>
             <a:endParaRPr lang="en-US"/>
           </a:p>
@@ -1751,7 +1751,7 @@
           <a:p>
             <a:fld id="{2C2D446A-5F06-4FB6-90AF-00741C033E90}" type="datetimeFigureOut">
               <a:rPr lang="en-US" smtClean="0"/>
-              <a:t>10/4/2023</a:t>
+              <a:t>10/18/2023</a:t>
             </a:fld>
             <a:endParaRPr lang="en-US"/>
           </a:p>
@@ -1921,7 +1921,7 @@
           <a:p>
             <a:fld id="{2C2D446A-5F06-4FB6-90AF-00741C033E90}" type="datetimeFigureOut">
               <a:rPr lang="en-US" smtClean="0"/>
-              <a:t>10/4/2023</a:t>
+              <a:t>10/18/2023</a:t>
             </a:fld>
             <a:endParaRPr lang="en-US"/>
           </a:p>
@@ -2165,7 +2165,7 @@
           <a:p>
             <a:fld id="{2C2D446A-5F06-4FB6-90AF-00741C033E90}" type="datetimeFigureOut">
               <a:rPr lang="en-US" smtClean="0"/>
-              <a:t>10/4/2023</a:t>
+              <a:t>10/18/2023</a:t>
             </a:fld>
             <a:endParaRPr lang="en-US"/>
           </a:p>
@@ -2397,7 +2397,7 @@
           <a:p>
             <a:fld id="{2C2D446A-5F06-4FB6-90AF-00741C033E90}" type="datetimeFigureOut">
               <a:rPr lang="en-US" smtClean="0"/>
-              <a:t>10/4/2023</a:t>
+              <a:t>10/18/2023</a:t>
             </a:fld>
             <a:endParaRPr lang="en-US"/>
           </a:p>
@@ -2764,7 +2764,7 @@
           <a:p>
             <a:fld id="{2C2D446A-5F06-4FB6-90AF-00741C033E90}" type="datetimeFigureOut">
               <a:rPr lang="en-US" smtClean="0"/>
-              <a:t>10/4/2023</a:t>
+              <a:t>10/18/2023</a:t>
             </a:fld>
             <a:endParaRPr lang="en-US"/>
           </a:p>
@@ -2882,7 +2882,7 @@
           <a:p>
             <a:fld id="{2C2D446A-5F06-4FB6-90AF-00741C033E90}" type="datetimeFigureOut">
               <a:rPr lang="en-US" smtClean="0"/>
-              <a:t>10/4/2023</a:t>
+              <a:t>10/18/2023</a:t>
             </a:fld>
             <a:endParaRPr lang="en-US"/>
           </a:p>
@@ -2977,7 +2977,7 @@
           <a:p>
             <a:fld id="{2C2D446A-5F06-4FB6-90AF-00741C033E90}" type="datetimeFigureOut">
               <a:rPr lang="en-US" smtClean="0"/>
-              <a:t>10/4/2023</a:t>
+              <a:t>10/18/2023</a:t>
             </a:fld>
             <a:endParaRPr lang="en-US"/>
           </a:p>
@@ -3254,7 +3254,7 @@
           <a:p>
             <a:fld id="{2C2D446A-5F06-4FB6-90AF-00741C033E90}" type="datetimeFigureOut">
               <a:rPr lang="en-US" smtClean="0"/>
-              <a:t>10/4/2023</a:t>
+              <a:t>10/18/2023</a:t>
             </a:fld>
             <a:endParaRPr lang="en-US"/>
           </a:p>
@@ -3511,7 +3511,7 @@
           <a:p>
             <a:fld id="{2C2D446A-5F06-4FB6-90AF-00741C033E90}" type="datetimeFigureOut">
               <a:rPr lang="en-US" smtClean="0"/>
-              <a:t>10/4/2023</a:t>
+              <a:t>10/18/2023</a:t>
             </a:fld>
             <a:endParaRPr lang="en-US"/>
           </a:p>
@@ -3733,7 +3733,7 @@
           <a:p>
             <a:fld id="{2C2D446A-5F06-4FB6-90AF-00741C033E90}" type="datetimeFigureOut">
               <a:rPr lang="en-US" smtClean="0"/>
-              <a:t>10/4/2023</a:t>
+              <a:t>10/18/2023</a:t>
             </a:fld>
             <a:endParaRPr lang="en-US"/>
           </a:p>
